--- a/lecture-slides/2019-11-25-oop.pptx
+++ b/lecture-slides/2019-11-25-oop.pptx
@@ -5,7 +5,7 @@
     <p:sldMasterId id="2147483648" r:id="rId1"/>
   </p:sldMasterIdLst>
   <p:notesMasterIdLst>
-    <p:notesMasterId r:id="rId14"/>
+    <p:notesMasterId r:id="rId13"/>
   </p:notesMasterIdLst>
   <p:sldIdLst>
     <p:sldId id="305" r:id="rId2"/>
@@ -16,10 +16,9 @@
     <p:sldId id="657" r:id="rId7"/>
     <p:sldId id="674" r:id="rId8"/>
     <p:sldId id="677" r:id="rId9"/>
-    <p:sldId id="678" r:id="rId10"/>
-    <p:sldId id="676" r:id="rId11"/>
-    <p:sldId id="633" r:id="rId12"/>
-    <p:sldId id="613" r:id="rId13"/>
+    <p:sldId id="676" r:id="rId10"/>
+    <p:sldId id="633" r:id="rId11"/>
+    <p:sldId id="613" r:id="rId12"/>
   </p:sldIdLst>
   <p:sldSz cx="12192000" cy="6858000"/>
   <p:notesSz cx="6858000" cy="9144000"/>
@@ -131,7 +130,6 @@
             <p14:sldId id="657"/>
             <p14:sldId id="674"/>
             <p14:sldId id="677"/>
-            <p14:sldId id="678"/>
             <p14:sldId id="676"/>
             <p14:sldId id="633"/>
             <p14:sldId id="613"/>
@@ -228,7 +226,7 @@
           <a:p>
             <a:fld id="{A677DEB0-5AA4-49C7-B0AD-AD047A002C4C}" type="datetimeFigureOut">
               <a:rPr lang="en-US" smtClean="0"/>
-              <a:t>11/25/19</a:t>
+              <a:t>11/25/2019</a:t>
             </a:fld>
             <a:endParaRPr lang="en-US"/>
           </a:p>
@@ -896,7 +894,7 @@
           <a:p>
             <a:fld id="{5394DE12-7B9B-46AA-AC19-C30A49928B9B}" type="slidenum">
               <a:rPr lang="en-US" smtClean="0"/>
-              <a:t>9</a:t>
+              <a:t>10</a:t>
             </a:fld>
             <a:endParaRPr lang="en-US" dirty="0"/>
           </a:p>
@@ -905,7 +903,7 @@
     </p:spTree>
     <p:extLst>
       <p:ext uri="{BB962C8B-B14F-4D97-AF65-F5344CB8AC3E}">
-        <p14:creationId xmlns:p14="http://schemas.microsoft.com/office/powerpoint/2010/main" val="8813084"/>
+        <p14:creationId xmlns:p14="http://schemas.microsoft.com/office/powerpoint/2010/main" val="1141426687"/>
       </p:ext>
     </p:extLst>
   </p:cSld>
@@ -959,7 +957,7 @@
           <a:bodyPr/>
           <a:lstStyle/>
           <a:p>
-            <a:endParaRPr lang="en-US" sz="1000" dirty="0"/>
+            <a:endParaRPr lang="en-US" dirty="0"/>
           </a:p>
         </p:txBody>
       </p:sp>
@@ -981,90 +979,6 @@
             <a:fld id="{5394DE12-7B9B-46AA-AC19-C30A49928B9B}" type="slidenum">
               <a:rPr lang="en-US" smtClean="0"/>
               <a:t>11</a:t>
-            </a:fld>
-            <a:endParaRPr lang="en-US" dirty="0"/>
-          </a:p>
-        </p:txBody>
-      </p:sp>
-    </p:spTree>
-    <p:extLst>
-      <p:ext uri="{BB962C8B-B14F-4D97-AF65-F5344CB8AC3E}">
-        <p14:creationId xmlns:p14="http://schemas.microsoft.com/office/powerpoint/2010/main" val="1141426687"/>
-      </p:ext>
-    </p:extLst>
-  </p:cSld>
-  <p:clrMapOvr>
-    <a:masterClrMapping/>
-  </p:clrMapOvr>
-</p:notes>
-</file>
-
-<file path=ppt/notesSlides/notesSlide7.xml><?xml version="1.0" encoding="utf-8"?>
-<p:notes xmlns:a="http://schemas.openxmlformats.org/drawingml/2006/main" xmlns:r="http://schemas.openxmlformats.org/officeDocument/2006/relationships" xmlns:p="http://schemas.openxmlformats.org/presentationml/2006/main">
-  <p:cSld>
-    <p:spTree>
-      <p:nvGrpSpPr>
-        <p:cNvPr id="1" name=""/>
-        <p:cNvGrpSpPr/>
-        <p:nvPr/>
-      </p:nvGrpSpPr>
-      <p:grpSpPr>
-        <a:xfrm>
-          <a:off x="0" y="0"/>
-          <a:ext cx="0" cy="0"/>
-          <a:chOff x="0" y="0"/>
-          <a:chExt cx="0" cy="0"/>
-        </a:xfrm>
-      </p:grpSpPr>
-      <p:sp>
-        <p:nvSpPr>
-          <p:cNvPr id="2" name="Slide Image Placeholder 1"/>
-          <p:cNvSpPr>
-            <a:spLocks noGrp="1" noRot="1" noChangeAspect="1"/>
-          </p:cNvSpPr>
-          <p:nvPr>
-            <p:ph type="sldImg"/>
-          </p:nvPr>
-        </p:nvSpPr>
-        <p:spPr/>
-      </p:sp>
-      <p:sp>
-        <p:nvSpPr>
-          <p:cNvPr id="3" name="Notes Placeholder 2"/>
-          <p:cNvSpPr>
-            <a:spLocks noGrp="1"/>
-          </p:cNvSpPr>
-          <p:nvPr>
-            <p:ph type="body" idx="1"/>
-          </p:nvPr>
-        </p:nvSpPr>
-        <p:spPr/>
-        <p:txBody>
-          <a:bodyPr/>
-          <a:lstStyle/>
-          <a:p>
-            <a:endParaRPr lang="en-US" dirty="0"/>
-          </a:p>
-        </p:txBody>
-      </p:sp>
-      <p:sp>
-        <p:nvSpPr>
-          <p:cNvPr id="4" name="Slide Number Placeholder 3"/>
-          <p:cNvSpPr>
-            <a:spLocks noGrp="1"/>
-          </p:cNvSpPr>
-          <p:nvPr>
-            <p:ph type="sldNum" sz="quarter" idx="10"/>
-          </p:nvPr>
-        </p:nvSpPr>
-        <p:spPr/>
-        <p:txBody>
-          <a:bodyPr/>
-          <a:lstStyle/>
-          <a:p>
-            <a:fld id="{5394DE12-7B9B-46AA-AC19-C30A49928B9B}" type="slidenum">
-              <a:rPr lang="en-US" smtClean="0"/>
-              <a:t>12</a:t>
             </a:fld>
             <a:endParaRPr lang="en-US" dirty="0"/>
           </a:p>
@@ -1230,7 +1144,7 @@
           <a:p>
             <a:fld id="{1B52E0E1-344B-4E26-B5AD-CE86AB802485}" type="datetimeFigureOut">
               <a:rPr lang="en-US" smtClean="0"/>
-              <a:t>11/25/19</a:t>
+              <a:t>11/25/2019</a:t>
             </a:fld>
             <a:endParaRPr lang="en-US"/>
           </a:p>
@@ -1428,7 +1342,7 @@
           <a:p>
             <a:fld id="{1B52E0E1-344B-4E26-B5AD-CE86AB802485}" type="datetimeFigureOut">
               <a:rPr lang="en-US" smtClean="0"/>
-              <a:t>11/25/19</a:t>
+              <a:t>11/25/2019</a:t>
             </a:fld>
             <a:endParaRPr lang="en-US"/>
           </a:p>
@@ -1636,7 +1550,7 @@
           <a:p>
             <a:fld id="{1B52E0E1-344B-4E26-B5AD-CE86AB802485}" type="datetimeFigureOut">
               <a:rPr lang="en-US" smtClean="0"/>
-              <a:t>11/25/19</a:t>
+              <a:t>11/25/2019</a:t>
             </a:fld>
             <a:endParaRPr lang="en-US"/>
           </a:p>
@@ -1834,7 +1748,7 @@
           <a:p>
             <a:fld id="{1B52E0E1-344B-4E26-B5AD-CE86AB802485}" type="datetimeFigureOut">
               <a:rPr lang="en-US" smtClean="0"/>
-              <a:t>11/25/19</a:t>
+              <a:t>11/25/2019</a:t>
             </a:fld>
             <a:endParaRPr lang="en-US"/>
           </a:p>
@@ -2109,7 +2023,7 @@
           <a:p>
             <a:fld id="{1B52E0E1-344B-4E26-B5AD-CE86AB802485}" type="datetimeFigureOut">
               <a:rPr lang="en-US" smtClean="0"/>
-              <a:t>11/25/19</a:t>
+              <a:t>11/25/2019</a:t>
             </a:fld>
             <a:endParaRPr lang="en-US"/>
           </a:p>
@@ -2374,7 +2288,7 @@
           <a:p>
             <a:fld id="{1B52E0E1-344B-4E26-B5AD-CE86AB802485}" type="datetimeFigureOut">
               <a:rPr lang="en-US" smtClean="0"/>
-              <a:t>11/25/19</a:t>
+              <a:t>11/25/2019</a:t>
             </a:fld>
             <a:endParaRPr lang="en-US"/>
           </a:p>
@@ -2786,7 +2700,7 @@
           <a:p>
             <a:fld id="{1B52E0E1-344B-4E26-B5AD-CE86AB802485}" type="datetimeFigureOut">
               <a:rPr lang="en-US" smtClean="0"/>
-              <a:t>11/25/19</a:t>
+              <a:t>11/25/2019</a:t>
             </a:fld>
             <a:endParaRPr lang="en-US"/>
           </a:p>
@@ -2927,7 +2841,7 @@
           <a:p>
             <a:fld id="{1B52E0E1-344B-4E26-B5AD-CE86AB802485}" type="datetimeFigureOut">
               <a:rPr lang="en-US" smtClean="0"/>
-              <a:t>11/25/19</a:t>
+              <a:t>11/25/2019</a:t>
             </a:fld>
             <a:endParaRPr lang="en-US"/>
           </a:p>
@@ -3040,7 +2954,7 @@
           <a:p>
             <a:fld id="{1B52E0E1-344B-4E26-B5AD-CE86AB802485}" type="datetimeFigureOut">
               <a:rPr lang="en-US" smtClean="0"/>
-              <a:t>11/25/19</a:t>
+              <a:t>11/25/2019</a:t>
             </a:fld>
             <a:endParaRPr lang="en-US"/>
           </a:p>
@@ -3351,7 +3265,7 @@
           <a:p>
             <a:fld id="{1B52E0E1-344B-4E26-B5AD-CE86AB802485}" type="datetimeFigureOut">
               <a:rPr lang="en-US" smtClean="0"/>
-              <a:t>11/25/19</a:t>
+              <a:t>11/25/2019</a:t>
             </a:fld>
             <a:endParaRPr lang="en-US"/>
           </a:p>
@@ -3639,7 +3553,7 @@
           <a:p>
             <a:fld id="{1B52E0E1-344B-4E26-B5AD-CE86AB802485}" type="datetimeFigureOut">
               <a:rPr lang="en-US" smtClean="0"/>
-              <a:t>11/25/19</a:t>
+              <a:t>11/25/2019</a:t>
             </a:fld>
             <a:endParaRPr lang="en-US"/>
           </a:p>
@@ -3880,7 +3794,7 @@
           <a:p>
             <a:fld id="{1B52E0E1-344B-4E26-B5AD-CE86AB802485}" type="datetimeFigureOut">
               <a:rPr lang="en-US" smtClean="0"/>
-              <a:t>11/25/19</a:t>
+              <a:t>11/25/2019</a:t>
             </a:fld>
             <a:endParaRPr lang="en-US"/>
           </a:p>
@@ -4465,7 +4379,7 @@
             </a:pPr>
             <a:r>
               <a:rPr lang="en-US" sz="2000" dirty="0"/>
-              <a:t>Working Session – Updated Assignment for Next Class</a:t>
+              <a:t>Updated Assignment for Next Class?</a:t>
             </a:r>
           </a:p>
           <a:p>
@@ -4560,133 +4474,6 @@
       </p:grpSpPr>
       <p:sp>
         <p:nvSpPr>
-          <p:cNvPr id="2" name="Title 1">
-            <a:extLst>
-              <a:ext uri="{FF2B5EF4-FFF2-40B4-BE49-F238E27FC236}">
-                <a16:creationId xmlns:a16="http://schemas.microsoft.com/office/drawing/2014/main" id="{2A5755BE-860E-40EB-ADA6-6E82BCB49EC3}"/>
-              </a:ext>
-            </a:extLst>
-          </p:cNvPr>
-          <p:cNvSpPr>
-            <a:spLocks noGrp="1"/>
-          </p:cNvSpPr>
-          <p:nvPr>
-            <p:ph type="title"/>
-          </p:nvPr>
-        </p:nvSpPr>
-        <p:spPr/>
-        <p:txBody>
-          <a:bodyPr/>
-          <a:lstStyle/>
-          <a:p>
-            <a:pPr>
-              <a:spcBef>
-                <a:spcPts val="400"/>
-              </a:spcBef>
-            </a:pPr>
-            <a:r>
-              <a:rPr lang="en-US" dirty="0"/>
-              <a:t>Updated Assignment for Next Class</a:t>
-            </a:r>
-          </a:p>
-        </p:txBody>
-      </p:sp>
-      <p:sp>
-        <p:nvSpPr>
-          <p:cNvPr id="3" name="Content Placeholder 2">
-            <a:extLst>
-              <a:ext uri="{FF2B5EF4-FFF2-40B4-BE49-F238E27FC236}">
-                <a16:creationId xmlns:a16="http://schemas.microsoft.com/office/drawing/2014/main" id="{72EF5DE0-5958-4171-A9E3-3D288A31AC3F}"/>
-              </a:ext>
-            </a:extLst>
-          </p:cNvPr>
-          <p:cNvSpPr>
-            <a:spLocks noGrp="1"/>
-          </p:cNvSpPr>
-          <p:nvPr>
-            <p:ph idx="1"/>
-          </p:nvPr>
-        </p:nvSpPr>
-        <p:spPr>
-          <a:xfrm>
-            <a:off x="838200" y="1654444"/>
-            <a:ext cx="10515600" cy="4522519"/>
-          </a:xfrm>
-        </p:spPr>
-        <p:txBody>
-          <a:bodyPr>
-            <a:normAutofit/>
-          </a:bodyPr>
-          <a:lstStyle/>
-          <a:p>
-            <a:pPr marL="0" indent="0">
-              <a:buNone/>
-            </a:pPr>
-            <a:r>
-              <a:rPr lang="en-US" sz="2000" dirty="0">
-                <a:solidFill>
-                  <a:schemeClr val="bg1">
-                    <a:lumMod val="65000"/>
-                  </a:schemeClr>
-                </a:solidFill>
-              </a:rPr>
-              <a:t>All assignments due Sunday, December 1</a:t>
-            </a:r>
-            <a:r>
-              <a:rPr lang="en-US" sz="2000" baseline="30000" dirty="0">
-                <a:solidFill>
-                  <a:schemeClr val="bg1">
-                    <a:lumMod val="65000"/>
-                  </a:schemeClr>
-                </a:solidFill>
-              </a:rPr>
-              <a:t>st</a:t>
-            </a:r>
-            <a:r>
-              <a:rPr lang="en-US" sz="2000" dirty="0">
-                <a:solidFill>
-                  <a:schemeClr val="bg1">
-                    <a:lumMod val="65000"/>
-                  </a:schemeClr>
-                </a:solidFill>
-              </a:rPr>
-              <a:t> by 11:59pm CT… grace period until noon Monday</a:t>
-            </a:r>
-          </a:p>
-        </p:txBody>
-      </p:sp>
-    </p:spTree>
-    <p:extLst>
-      <p:ext uri="{BB962C8B-B14F-4D97-AF65-F5344CB8AC3E}">
-        <p14:creationId xmlns:p14="http://schemas.microsoft.com/office/powerpoint/2010/main" val="3241336650"/>
-      </p:ext>
-    </p:extLst>
-  </p:cSld>
-  <p:clrMapOvr>
-    <a:masterClrMapping/>
-  </p:clrMapOvr>
-</p:sld>
-</file>
-
-<file path=ppt/slides/slide11.xml><?xml version="1.0" encoding="utf-8"?>
-<p:sld xmlns:a="http://schemas.openxmlformats.org/drawingml/2006/main" xmlns:r="http://schemas.openxmlformats.org/officeDocument/2006/relationships" xmlns:p="http://schemas.openxmlformats.org/presentationml/2006/main">
-  <p:cSld>
-    <p:spTree>
-      <p:nvGrpSpPr>
-        <p:cNvPr id="1" name=""/>
-        <p:cNvGrpSpPr/>
-        <p:nvPr/>
-      </p:nvGrpSpPr>
-      <p:grpSpPr>
-        <a:xfrm>
-          <a:off x="0" y="0"/>
-          <a:ext cx="0" cy="0"/>
-          <a:chOff x="0" y="0"/>
-          <a:chExt cx="0" cy="0"/>
-        </a:xfrm>
-      </p:grpSpPr>
-      <p:sp>
-        <p:nvSpPr>
           <p:cNvPr id="2" name="Title 1"/>
           <p:cNvSpPr>
             <a:spLocks noGrp="1"/>
@@ -4886,7 +4673,7 @@
 </p:sld>
 </file>
 
-<file path=ppt/slides/slide12.xml><?xml version="1.0" encoding="utf-8"?>
+<file path=ppt/slides/slide11.xml><?xml version="1.0" encoding="utf-8"?>
 <p:sld xmlns:a="http://schemas.openxmlformats.org/drawingml/2006/main" xmlns:r="http://schemas.openxmlformats.org/officeDocument/2006/relationships" xmlns:p="http://schemas.openxmlformats.org/presentationml/2006/main">
   <p:cSld>
     <p:bg>
@@ -5243,7 +5030,7 @@
           <a:graphicData uri="http://schemas.openxmlformats.org/presentationml/2006/ole">
             <mc:AlternateContent xmlns:mc="http://schemas.openxmlformats.org/markup-compatibility/2006">
               <mc:Choice xmlns:v="urn:schemas-microsoft-com:vml" Requires="v">
-                <p:oleObj spid="_x0000_s3087" name="Worksheet" r:id="rId3" imgW="7340600" imgH="6540500" progId="Excel.Sheet.12">
+                <p:oleObj spid="_x0000_s3089" name="Worksheet" r:id="rId3" imgW="7340600" imgH="6540500" progId="Excel.Sheet.12">
                   <p:embed/>
                 </p:oleObj>
               </mc:Choice>
@@ -5654,7 +5441,7 @@
           <a:graphicData uri="http://schemas.openxmlformats.org/presentationml/2006/ole">
             <mc:AlternateContent xmlns:mc="http://schemas.openxmlformats.org/markup-compatibility/2006">
               <mc:Choice xmlns:v="urn:schemas-microsoft-com:vml" Requires="v">
-                <p:oleObj spid="_x0000_s6150" name="Worksheet" r:id="rId4" imgW="9804400" imgH="3213100" progId="Excel.Sheet.12">
+                <p:oleObj spid="_x0000_s6152" name="Worksheet" r:id="rId4" imgW="9804400" imgH="3213100" progId="Excel.Sheet.12">
                   <p:embed/>
                 </p:oleObj>
               </mc:Choice>
@@ -5781,7 +5568,7 @@
           <a:graphicData uri="http://schemas.openxmlformats.org/presentationml/2006/ole">
             <mc:AlternateContent xmlns:mc="http://schemas.openxmlformats.org/markup-compatibility/2006">
               <mc:Choice xmlns:v="urn:schemas-microsoft-com:vml" Requires="v">
-                <p:oleObj spid="_x0000_s8195" name="Worksheet" r:id="rId3" imgW="6972300" imgH="3060700" progId="Excel.Sheet.12">
+                <p:oleObj spid="_x0000_s8197" name="Worksheet" r:id="rId3" imgW="6972300" imgH="3060700" progId="Excel.Sheet.12">
                   <p:embed/>
                 </p:oleObj>
               </mc:Choice>
@@ -6084,24 +5871,23 @@
       </p:grpSpPr>
       <p:sp>
         <p:nvSpPr>
-          <p:cNvPr id="2" name="Title 1"/>
-          <p:cNvSpPr>
-            <a:spLocks noGrp="1"/>
-          </p:cNvSpPr>
-          <p:nvPr>
-            <p:ph type="ctrTitle"/>
-          </p:nvPr>
-        </p:nvSpPr>
-        <p:spPr>
-          <a:xfrm>
-            <a:off x="1524000" y="3025490"/>
-            <a:ext cx="9144000" cy="807019"/>
-          </a:xfrm>
-        </p:spPr>
-        <p:txBody>
-          <a:bodyPr anchor="ctr">
-            <a:noAutofit/>
-          </a:bodyPr>
+          <p:cNvPr id="2" name="Title 1">
+            <a:extLst>
+              <a:ext uri="{FF2B5EF4-FFF2-40B4-BE49-F238E27FC236}">
+                <a16:creationId xmlns:a16="http://schemas.microsoft.com/office/drawing/2014/main" id="{2A5755BE-860E-40EB-ADA6-6E82BCB49EC3}"/>
+              </a:ext>
+            </a:extLst>
+          </p:cNvPr>
+          <p:cNvSpPr>
+            <a:spLocks noGrp="1"/>
+          </p:cNvSpPr>
+          <p:nvPr>
+            <p:ph type="title"/>
+          </p:nvPr>
+        </p:nvSpPr>
+        <p:spPr/>
+        <p:txBody>
+          <a:bodyPr/>
           <a:lstStyle/>
           <a:p>
             <a:pPr>
@@ -6110,15 +5896,54 @@
               </a:spcBef>
             </a:pPr>
             <a:r>
-              <a:rPr lang="en-US" sz="3600" dirty="0"/>
-              <a:t>Working Session – Updated Assignment</a:t>
-            </a:r>
-            <a:br>
-              <a:rPr lang="en-US" sz="3600" dirty="0"/>
-            </a:br>
-            <a:r>
-              <a:rPr lang="en-US" sz="3600" dirty="0"/>
-              <a:t>for Next Class</a:t>
+              <a:rPr lang="en-US" dirty="0"/>
+              <a:t>Updated Assignment for Next Class?</a:t>
+            </a:r>
+          </a:p>
+        </p:txBody>
+      </p:sp>
+      <p:sp>
+        <p:nvSpPr>
+          <p:cNvPr id="3" name="Content Placeholder 2">
+            <a:extLst>
+              <a:ext uri="{FF2B5EF4-FFF2-40B4-BE49-F238E27FC236}">
+                <a16:creationId xmlns:a16="http://schemas.microsoft.com/office/drawing/2014/main" id="{72EF5DE0-5958-4171-A9E3-3D288A31AC3F}"/>
+              </a:ext>
+            </a:extLst>
+          </p:cNvPr>
+          <p:cNvSpPr>
+            <a:spLocks noGrp="1"/>
+          </p:cNvSpPr>
+          <p:nvPr>
+            <p:ph idx="1"/>
+          </p:nvPr>
+        </p:nvSpPr>
+        <p:spPr>
+          <a:xfrm>
+            <a:off x="838200" y="1654444"/>
+            <a:ext cx="10515600" cy="4522519"/>
+          </a:xfrm>
+        </p:spPr>
+        <p:txBody>
+          <a:bodyPr>
+            <a:normAutofit/>
+          </a:bodyPr>
+          <a:lstStyle/>
+          <a:p>
+            <a:pPr marL="0" indent="0">
+              <a:buNone/>
+            </a:pPr>
+            <a:r>
+              <a:rPr lang="en-US" sz="2000" dirty="0"/>
+              <a:t>All assignments due Sunday, December 1</a:t>
+            </a:r>
+            <a:r>
+              <a:rPr lang="en-US" sz="2000" baseline="30000" dirty="0"/>
+              <a:t>st</a:t>
+            </a:r>
+            <a:r>
+              <a:rPr lang="en-US" sz="2000" dirty="0"/>
+              <a:t> by 11:59pm CT… grace period until noon Monday</a:t>
             </a:r>
           </a:p>
         </p:txBody>
@@ -6126,7 +5951,7 @@
     </p:spTree>
     <p:extLst>
       <p:ext uri="{BB962C8B-B14F-4D97-AF65-F5344CB8AC3E}">
-        <p14:creationId xmlns:p14="http://schemas.microsoft.com/office/powerpoint/2010/main" val="330913963"/>
+        <p14:creationId xmlns:p14="http://schemas.microsoft.com/office/powerpoint/2010/main" val="3241336650"/>
       </p:ext>
     </p:extLst>
   </p:cSld>
